--- a/3- Enterprise Data Lake/DatalakeExecutivePresentation.pptx
+++ b/3- Enterprise Data Lake/DatalakeExecutivePresentation.pptx
@@ -786,7 +786,7 @@
               <a:rPr lang="en-US">
                 <a:sym typeface="+mn-ea"/>
               </a:rPr>
-              <a:t>20s</a:t>
+              <a:t>25s</a:t>
             </a:r>
             <a:endParaRPr lang="en-US"/>
           </a:p>
@@ -1079,7 +1079,7 @@
               <a:rPr lang="en-US">
                 <a:sym typeface="+mn-ea"/>
               </a:rPr>
-              <a:t>40s -&gt; 1:00</a:t>
+              <a:t>40s -&gt; 1:05</a:t>
             </a:r>
             <a:endParaRPr lang="en-US"/>
           </a:p>
@@ -1305,7 +1305,7 @@
               <a:rPr lang="en-US">
                 <a:sym typeface="+mn-ea"/>
               </a:rPr>
-              <a:t>25s -&gt; 1:25</a:t>
+              <a:t>10s -&gt; 1:35</a:t>
             </a:r>
             <a:endParaRPr lang="en-US"/>
           </a:p>
@@ -1535,7 +1535,7 @@
               <a:rPr lang="en-US">
                 <a:sym typeface="+mn-ea"/>
               </a:rPr>
-              <a:t>50s -&gt; 2:15</a:t>
+              <a:t>60s -&gt; 2:35</a:t>
             </a:r>
             <a:endParaRPr lang="en-US">
               <a:sym typeface="+mn-ea"/>
@@ -1630,7 +1630,27 @@
               <a:rPr lang="en-US">
                 <a:sym typeface="+mn-ea"/>
               </a:rPr>
-              <a:t> at any scale.</a:t>
+              <a:t> at any scale. </a:t>
+            </a:r>
+            <a:endParaRPr lang="en-US">
+              <a:sym typeface="+mn-ea"/>
+            </a:endParaRPr>
+          </a:p>
+          <a:p>
+            <a:pPr marL="0" lvl="0" indent="0" algn="l" rtl="0">
+              <a:spcBef>
+                <a:spcPts val="0"/>
+              </a:spcBef>
+              <a:spcAft>
+                <a:spcPts val="0"/>
+              </a:spcAft>
+              <a:buNone/>
+            </a:pPr>
+            <a:r>
+              <a:rPr lang="en-US">
+                <a:sym typeface="+mn-ea"/>
+              </a:rPr>
+              <a:t>This ultized distributed storage technologies likes Hadoop HDFS and cloud native storage</a:t>
             </a:r>
             <a:endParaRPr lang="en-US">
               <a:sym typeface="+mn-ea"/>
@@ -1878,7 +1898,7 @@
               <a:rPr lang="en-US">
                 <a:sym typeface="+mn-ea"/>
               </a:rPr>
-              <a:t>55s -&gt; 4:20</a:t>
+              <a:t>65s -&gt; 4:40</a:t>
             </a:r>
             <a:endParaRPr lang="en-US"/>
           </a:p>
@@ -2216,7 +2236,7 @@
               <a:rPr lang="en-US">
                 <a:sym typeface="+mn-ea"/>
               </a:rPr>
-              <a:t>25s -&gt; 4:45</a:t>
+              <a:t>30s -&gt; 5:10</a:t>
             </a:r>
             <a:endParaRPr lang="en-US">
               <a:sym typeface="+mn-ea"/>
@@ -2466,7 +2486,7 @@
               <a:rPr lang="en-US" altLang="en-GB">
                 <a:sym typeface="+mn-ea"/>
               </a:rPr>
-              <a:t>80s -&gt; 6:05</a:t>
+              <a:t>80s -&gt; 6:30</a:t>
             </a:r>
             <a:endParaRPr lang="en-US" altLang="en-GB"/>
           </a:p>
@@ -2974,7 +2994,7 @@
               <a:rPr lang="en-US">
                 <a:sym typeface="+mn-ea"/>
               </a:rPr>
-              <a:t>60s -&gt; 7:05</a:t>
+              <a:t>80s -&gt; 7:50</a:t>
             </a:r>
             <a:endParaRPr lang="en-US">
               <a:sym typeface="+mn-ea"/>
@@ -3439,7 +3459,7 @@
               <a:rPr lang="en-US">
                 <a:sym typeface="+mn-ea"/>
               </a:rPr>
-              <a:t>110s -&gt; 9:55</a:t>
+              <a:t>130s -&gt; 10:00</a:t>
             </a:r>
             <a:endParaRPr lang="en-US"/>
           </a:p>
@@ -3559,7 +3579,73 @@
             </a:pPr>
             <a:r>
               <a:rPr lang="en-US"/>
-              <a:t>In detail, Diagram address. Central data storage is base on S3 object storage service</a:t>
+              <a:t>Begining, </a:t>
+            </a:r>
+            <a:r>
+              <a:rPr lang="en-US">
+                <a:sym typeface="+mn-ea"/>
+              </a:rPr>
+              <a:t>Ingestion layer is tasks to sink data into data lake that wil be done with vary of open source tools likes as</a:t>
+            </a:r>
+            <a:endParaRPr lang="en-US">
+              <a:sym typeface="+mn-ea"/>
+            </a:endParaRPr>
+          </a:p>
+          <a:p>
+            <a:pPr marL="0" lvl="0" indent="0" algn="l" rtl="0">
+              <a:spcBef>
+                <a:spcPts val="0"/>
+              </a:spcBef>
+              <a:spcAft>
+                <a:spcPts val="0"/>
+              </a:spcAft>
+              <a:buNone/>
+            </a:pPr>
+            <a:r>
+              <a:rPr lang="en-US">
+                <a:sym typeface="+mn-ea"/>
+              </a:rPr>
+              <a:t>KafKa, AirByte, Flume to load data in batch, real-time or streamming.</a:t>
+            </a:r>
+            <a:endParaRPr lang="en-US">
+              <a:sym typeface="+mn-ea"/>
+            </a:endParaRPr>
+          </a:p>
+          <a:p>
+            <a:pPr marL="0" lvl="0" indent="0" algn="l" rtl="0">
+              <a:spcBef>
+                <a:spcPts val="0"/>
+              </a:spcBef>
+              <a:spcAft>
+                <a:spcPts val="0"/>
+              </a:spcAft>
+              <a:buNone/>
+            </a:pPr>
+            <a:r>
+              <a:rPr lang="en-US">
+                <a:sym typeface="+mn-ea"/>
+              </a:rPr>
+              <a:t>Align with open source tools, cloud-based provides specific servies like  </a:t>
+            </a:r>
+            <a:endParaRPr lang="en-US">
+              <a:sym typeface="+mn-ea"/>
+            </a:endParaRPr>
+          </a:p>
+          <a:p>
+            <a:pPr marL="0" lvl="0" indent="0" algn="l" rtl="0">
+              <a:spcBef>
+                <a:spcPts val="0"/>
+              </a:spcBef>
+              <a:spcAft>
+                <a:spcPts val="0"/>
+              </a:spcAft>
+              <a:buNone/>
+            </a:pPr>
+            <a:r>
+              <a:rPr lang="en-US">
+                <a:sym typeface="+mn-ea"/>
+              </a:rPr>
+              <a:t>AWS Snowball to mirate huge of data from on-premises to cloud AWS DMS for RDMS migration. AWS Glue, Batch, Kenesis for the loading and streamming data.</a:t>
             </a:r>
             <a:endParaRPr lang="en-US"/>
           </a:p>
@@ -3573,10 +3659,50 @@
               </a:spcAft>
               <a:buNone/>
             </a:pPr>
+            <a:endParaRPr lang="en-US"/>
+          </a:p>
+          <a:p>
+            <a:pPr marL="0" lvl="0" indent="0" algn="l" rtl="0">
+              <a:spcBef>
+                <a:spcPts val="0"/>
+              </a:spcBef>
+              <a:spcAft>
+                <a:spcPts val="0"/>
+              </a:spcAft>
+              <a:buNone/>
+            </a:pPr>
             <a:r>
               <a:rPr lang="en-US"/>
-              <a:t>that offering the calability, data availability, security, and performance.</a:t>
-            </a:r>
+              <a:t>In detail, Diagram address. Central data storage is base on the distributed file storage systemsuch as</a:t>
+            </a:r>
+            <a:endParaRPr lang="en-US"/>
+          </a:p>
+          <a:p>
+            <a:pPr marL="0" lvl="0" indent="0" algn="l" rtl="0">
+              <a:spcBef>
+                <a:spcPts val="0"/>
+              </a:spcBef>
+              <a:spcAft>
+                <a:spcPts val="0"/>
+              </a:spcAft>
+              <a:buNone/>
+            </a:pPr>
+            <a:r>
+              <a:rPr lang="en-US"/>
+              <a:t>Hadoop HDFS or cloud-base S3 object storage service (AWS) that offering the calability, data availability, security, and performance.</a:t>
+            </a:r>
+            <a:endParaRPr lang="en-US"/>
+          </a:p>
+          <a:p>
+            <a:pPr marL="0" lvl="0" indent="0" algn="l" rtl="0">
+              <a:spcBef>
+                <a:spcPts val="0"/>
+              </a:spcBef>
+              <a:spcAft>
+                <a:spcPts val="0"/>
+              </a:spcAft>
+              <a:buNone/>
+            </a:pPr>
             <a:endParaRPr lang="en-US"/>
           </a:p>
           <a:p>
@@ -3635,66 +3761,6 @@
             </a:pPr>
             <a:r>
               <a:rPr lang="en-US"/>
-              <a:t>Ingestion layer is tasks to sink data into data lake that wil be done with vary of AWS services </a:t>
-            </a:r>
-            <a:endParaRPr lang="en-US"/>
-          </a:p>
-          <a:p>
-            <a:pPr marL="0" lvl="0" indent="0" algn="l" rtl="0">
-              <a:spcBef>
-                <a:spcPts val="0"/>
-              </a:spcBef>
-              <a:spcAft>
-                <a:spcPts val="0"/>
-              </a:spcAft>
-              <a:buNone/>
-            </a:pPr>
-            <a:r>
-              <a:rPr lang="en-US"/>
-              <a:t>AWS Snowball to mirate huge of data from on-premises to cloud</a:t>
-            </a:r>
-            <a:endParaRPr lang="en-US"/>
-          </a:p>
-          <a:p>
-            <a:pPr marL="0" lvl="0" indent="0" algn="l" rtl="0">
-              <a:spcBef>
-                <a:spcPts val="0"/>
-              </a:spcBef>
-              <a:spcAft>
-                <a:spcPts val="0"/>
-              </a:spcAft>
-              <a:buNone/>
-            </a:pPr>
-            <a:r>
-              <a:rPr lang="en-US"/>
-              <a:t>AWS DMS for RDMS migration. AWS Glue, Batch, Kenesis to load, stream data into lake.</a:t>
-            </a:r>
-            <a:endParaRPr lang="en-US"/>
-          </a:p>
-          <a:p>
-            <a:pPr marL="0" lvl="0" indent="0" algn="l" rtl="0">
-              <a:spcBef>
-                <a:spcPts val="0"/>
-              </a:spcBef>
-              <a:spcAft>
-                <a:spcPts val="0"/>
-              </a:spcAft>
-              <a:buNone/>
-            </a:pPr>
-            <a:endParaRPr lang="en-US"/>
-          </a:p>
-          <a:p>
-            <a:pPr marL="0" lvl="0" indent="0" algn="l" rtl="0">
-              <a:spcBef>
-                <a:spcPts val="0"/>
-              </a:spcBef>
-              <a:spcAft>
-                <a:spcPts val="0"/>
-              </a:spcAft>
-              <a:buNone/>
-            </a:pPr>
-            <a:r>
-              <a:rPr lang="en-US"/>
               <a:t>Data Processing and Anlytics workload could be done on cloud enviroment the support tools </a:t>
             </a:r>
             <a:endParaRPr lang="en-US"/>
@@ -3755,7 +3821,7 @@
             </a:pPr>
             <a:r>
               <a:rPr lang="en-US"/>
-              <a:t>Data Management team could leverage Governace and sercurity services like as</a:t>
+              <a:t>Data Management team could leverage Governace and sercurity tools like as</a:t>
             </a:r>
             <a:endParaRPr lang="en-US"/>
           </a:p>
@@ -3771,7 +3837,23 @@
             </a:pPr>
             <a:r>
               <a:rPr lang="en-US"/>
-              <a:t>IAM, KMS, Lake Formation, Glue Data Catalog, Glue Crawler to manage every aspects of </a:t>
+              <a:t>Apache Atlas, Hive metastore, Hudi .. </a:t>
+            </a:r>
+            <a:endParaRPr lang="en-US"/>
+          </a:p>
+          <a:p>
+            <a:pPr marL="0" lvl="0" indent="0" algn="l" rtl="0">
+              <a:spcBef>
+                <a:spcPts val="0"/>
+              </a:spcBef>
+              <a:spcAft>
+                <a:spcPts val="0"/>
+              </a:spcAft>
+              <a:buNone/>
+            </a:pPr>
+            <a:r>
+              <a:rPr lang="en-US"/>
+              <a:t>Besides AWS services IAM, KMS, Lake Formation, Glue Data Catalog, Glue Crawler to manage every aspects of </a:t>
             </a:r>
             <a:endParaRPr lang="en-US"/>
           </a:p>
@@ -13024,7 +13106,49 @@
               <a:rPr lang="en-GB">
                 <a:sym typeface="+mn-ea"/>
               </a:rPr>
-              <a:t>The data lake architecture solve</a:t>
+              <a:t>The data lake architecture</a:t>
+            </a:r>
+            <a:r>
+              <a:rPr lang="en-US" altLang="en-GB">
+                <a:sym typeface="+mn-ea"/>
+              </a:rPr>
+              <a:t> by</a:t>
+            </a:r>
+            <a:r>
+              <a:rPr lang="en-GB">
+                <a:sym typeface="+mn-ea"/>
+              </a:rPr>
+              <a:t> distributed object storage in nature and can scale easily</a:t>
+            </a:r>
+            <a:r>
+              <a:rPr lang="en-US" altLang="en-GB">
+                <a:sym typeface="+mn-ea"/>
+              </a:rPr>
+              <a:t> </a:t>
+            </a:r>
+            <a:r>
+              <a:rPr lang="en-US" altLang="en-GB">
+                <a:sym typeface="+mn-ea"/>
+              </a:rPr>
+              <a:t>that</a:t>
+            </a:r>
+            <a:r>
+              <a:rPr lang="en-GB">
+                <a:sym typeface="+mn-ea"/>
+              </a:rPr>
+              <a:t> </a:t>
+            </a:r>
+            <a:r>
+              <a:rPr lang="en-US" altLang="en-GB">
+                <a:sym typeface="+mn-ea"/>
+              </a:rPr>
+              <a:t>to help company to </a:t>
+            </a:r>
+            <a:r>
+              <a:rPr lang="en-GB">
+                <a:sym typeface="+mn-ea"/>
+              </a:rPr>
+              <a:t>solve</a:t>
             </a:r>
             <a:r>
               <a:rPr lang="en-US" altLang="en-GB">
@@ -13042,13 +13166,25 @@
               <a:rPr lang="en-US" altLang="en-GB">
                 <a:sym typeface="+mn-ea"/>
               </a:rPr>
-              <a:t>data storage scaling</a:t>
+              <a:t>data storage scaling at Data Volume Growth rate 15-20% YoY</a:t>
             </a:r>
             <a:r>
               <a:rPr lang="en-GB">
                 <a:sym typeface="+mn-ea"/>
               </a:rPr>
-              <a:t>. This is due to the fact that data lake is a distributed object storage in nature and can scale easily. Amazon S3 can meet company’s demands</a:t>
+              <a:t>.  </a:t>
+            </a:r>
+            <a:r>
+              <a:rPr lang="en-US" altLang="en-GB">
+                <a:sym typeface="+mn-ea"/>
+              </a:rPr>
+              <a:t>So that this</a:t>
+            </a:r>
+            <a:r>
+              <a:rPr lang="en-GB">
+                <a:sym typeface="+mn-ea"/>
+              </a:rPr>
+              <a:t> can meet company’s demands</a:t>
             </a:r>
             <a:r>
               <a:rPr lang="en-US" altLang="en-GB">
@@ -13118,13 +13254,25 @@
               <a:rPr lang="en-GB">
                 <a:sym typeface="+mn-ea"/>
               </a:rPr>
-              <a:t> such as Hive</a:t>
+              <a:t> such as</a:t>
             </a:r>
             <a:r>
               <a:rPr lang="en-US" altLang="en-GB">
                 <a:sym typeface="+mn-ea"/>
               </a:rPr>
-              <a:t>, Redshift, Athena</a:t>
+              <a:t> Presto,</a:t>
+            </a:r>
+            <a:r>
+              <a:rPr lang="en-GB">
+                <a:sym typeface="+mn-ea"/>
+              </a:rPr>
+              <a:t> </a:t>
+            </a:r>
+            <a:r>
+              <a:rPr lang="en-US" altLang="en-GB">
+                <a:sym typeface="+mn-ea"/>
+              </a:rPr>
+              <a:t>HBase, Redshift, Athena</a:t>
             </a:r>
             <a:r>
               <a:rPr lang="en-GB">
@@ -13200,7 +13348,7 @@
               <a:rPr lang="en-US" altLang="en-GB">
                 <a:sym typeface="+mn-ea"/>
               </a:rPr>
-              <a:t> Enabling business innovation  by allow downstream consumer can discovery much as much any of data aspects.</a:t>
+              <a:t> Central medata-storage that known as Data Catalog managment help to enable business innovation by allow downstream consumer can discovery much as much any of data aspects. </a:t>
             </a:r>
             <a:endParaRPr lang="en-US" altLang="en-GB">
               <a:sym typeface="+mn-ea"/>
@@ -13240,7 +13388,15 @@
               </a:rPr>
               <a:t>Data Lake can be a good enabler of machine learning, artifical inteligence and big data as it offers a scalable storage that is distributed in nature.</a:t>
             </a:r>
-            <a:endParaRPr lang="en-GB"/>
+            <a:r>
+              <a:rPr lang="en-US" altLang="en-GB">
+                <a:sym typeface="+mn-ea"/>
+              </a:rPr>
+              <a:t> </a:t>
+            </a:r>
+            <a:endParaRPr lang="en-US" altLang="en-GB">
+              <a:sym typeface="+mn-ea"/>
+            </a:endParaRPr>
           </a:p>
         </p:txBody>
       </p:sp>
@@ -13351,7 +13507,7 @@
       </p:sp>
       <p:pic>
         <p:nvPicPr>
-          <p:cNvPr id="2" name="Picture 1" descr="Data Architechture Diagram"/>
+          <p:cNvPr id="1" name="Picture 0" descr="DatalakeArchitectureDesign"/>
           <p:cNvPicPr>
             <a:picLocks noChangeAspect="1"/>
           </p:cNvPicPr>
@@ -13365,8 +13521,8 @@
         </p:blipFill>
         <p:spPr>
           <a:xfrm>
-            <a:off x="1475105" y="1275715"/>
-            <a:ext cx="5628005" cy="3303905"/>
+            <a:off x="1259840" y="1131570"/>
+            <a:ext cx="5927725" cy="3467735"/>
           </a:xfrm>
           <a:prstGeom prst="rect">
             <a:avLst/>
